--- a/ppt 16-9/0927.我们不丧胆.pptx
+++ b/ppt 16-9/0927.我们不丧胆.pptx
@@ -5,7 +5,7 @@
     <p:sldMasterId id="2147483648" r:id="rId1"/>
   </p:sldMasterIdLst>
   <p:sldIdLst>
-    <p:sldId id="296" r:id="rId2"/>
+    <p:sldId id="297" r:id="rId2"/>
   </p:sldIdLst>
   <p:sldSz cx="12192000" cy="6858000"/>
   <p:notesSz cx="6858000" cy="9144000"/>
@@ -129,7 +129,7 @@
           <p:cNvPr id="2" name="标题 1">
             <a:extLst>
               <a:ext uri="{FF2B5EF4-FFF2-40B4-BE49-F238E27FC236}">
-                <a16:creationId xmlns:a16="http://schemas.microsoft.com/office/drawing/2014/main" id="{639EBEDF-59B0-7810-4AFE-FACB6623C743}"/>
+                <a16:creationId xmlns:a16="http://schemas.microsoft.com/office/drawing/2014/main" id="{445EB53A-0CF1-CF93-FCE9-ED72CB37E3C1}"/>
               </a:ext>
             </a:extLst>
           </p:cNvPr>
@@ -166,7 +166,7 @@
           <p:cNvPr id="3" name="副标题 2">
             <a:extLst>
               <a:ext uri="{FF2B5EF4-FFF2-40B4-BE49-F238E27FC236}">
-                <a16:creationId xmlns:a16="http://schemas.microsoft.com/office/drawing/2014/main" id="{E59DE8CB-2418-42AE-70E3-82F17226C3B4}"/>
+                <a16:creationId xmlns:a16="http://schemas.microsoft.com/office/drawing/2014/main" id="{DACA6E9F-E902-3196-2162-0AC942E050BB}"/>
               </a:ext>
             </a:extLst>
           </p:cNvPr>
@@ -236,7 +236,7 @@
           <p:cNvPr id="4" name="日期占位符 3">
             <a:extLst>
               <a:ext uri="{FF2B5EF4-FFF2-40B4-BE49-F238E27FC236}">
-                <a16:creationId xmlns:a16="http://schemas.microsoft.com/office/drawing/2014/main" id="{DD61DE9C-C84E-4B4D-A983-0EF215093B8F}"/>
+                <a16:creationId xmlns:a16="http://schemas.microsoft.com/office/drawing/2014/main" id="{C3F7047C-741C-0CE9-787E-38971F53D102}"/>
               </a:ext>
             </a:extLst>
           </p:cNvPr>
@@ -252,7 +252,7 @@
           <a:bodyPr/>
           <a:lstStyle/>
           <a:p>
-            <a:fld id="{33A3D3E9-F1F6-43E1-9355-8895B6EDDB4F}" type="datetimeFigureOut">
+            <a:fld id="{1BB0C309-0873-4BB6-8FB3-74A6140A770D}" type="datetimeFigureOut">
               <a:rPr lang="zh-CN" altLang="en-US" smtClean="0"/>
               <a:t>2024/3/10</a:t>
             </a:fld>
@@ -265,7 +265,7 @@
           <p:cNvPr id="5" name="页脚占位符 4">
             <a:extLst>
               <a:ext uri="{FF2B5EF4-FFF2-40B4-BE49-F238E27FC236}">
-                <a16:creationId xmlns:a16="http://schemas.microsoft.com/office/drawing/2014/main" id="{64645C90-DE15-6CBE-A1B5-323E167E3C4D}"/>
+                <a16:creationId xmlns:a16="http://schemas.microsoft.com/office/drawing/2014/main" id="{E0FCDAC1-695D-EF61-8A41-A0BC91B8255E}"/>
               </a:ext>
             </a:extLst>
           </p:cNvPr>
@@ -290,7 +290,7 @@
           <p:cNvPr id="6" name="灯片编号占位符 5">
             <a:extLst>
               <a:ext uri="{FF2B5EF4-FFF2-40B4-BE49-F238E27FC236}">
-                <a16:creationId xmlns:a16="http://schemas.microsoft.com/office/drawing/2014/main" id="{6EF0370B-40B5-0C9A-D8B4-736CA323EE47}"/>
+                <a16:creationId xmlns:a16="http://schemas.microsoft.com/office/drawing/2014/main" id="{CDC91A13-796F-6832-619B-1698BED17AAE}"/>
               </a:ext>
             </a:extLst>
           </p:cNvPr>
@@ -306,7 +306,7 @@
           <a:bodyPr/>
           <a:lstStyle/>
           <a:p>
-            <a:fld id="{BEB876A0-C27F-4A5E-82CF-FFDFF6C2F743}" type="slidenum">
+            <a:fld id="{8D6DD218-2D45-464A-99FD-7A2F847539FC}" type="slidenum">
               <a:rPr lang="zh-CN" altLang="en-US" smtClean="0"/>
               <a:t>‹#›</a:t>
             </a:fld>
@@ -317,7 +317,7 @@
     </p:spTree>
     <p:extLst>
       <p:ext uri="{BB962C8B-B14F-4D97-AF65-F5344CB8AC3E}">
-        <p14:creationId xmlns:p14="http://schemas.microsoft.com/office/powerpoint/2010/main" val="3543512606"/>
+        <p14:creationId xmlns:p14="http://schemas.microsoft.com/office/powerpoint/2010/main" val="2998397155"/>
       </p:ext>
     </p:extLst>
   </p:cSld>
@@ -349,7 +349,7 @@
           <p:cNvPr id="2" name="标题 1">
             <a:extLst>
               <a:ext uri="{FF2B5EF4-FFF2-40B4-BE49-F238E27FC236}">
-                <a16:creationId xmlns:a16="http://schemas.microsoft.com/office/drawing/2014/main" id="{50621914-D34C-F135-ECB2-5573A513148D}"/>
+                <a16:creationId xmlns:a16="http://schemas.microsoft.com/office/drawing/2014/main" id="{F76D06A6-05B7-BF46-70E8-7A4BA21BF00D}"/>
               </a:ext>
             </a:extLst>
           </p:cNvPr>
@@ -377,7 +377,7 @@
           <p:cNvPr id="3" name="竖排文字占位符 2">
             <a:extLst>
               <a:ext uri="{FF2B5EF4-FFF2-40B4-BE49-F238E27FC236}">
-                <a16:creationId xmlns:a16="http://schemas.microsoft.com/office/drawing/2014/main" id="{D1A8CE96-AEDA-684F-C368-3AB63C2B3F84}"/>
+                <a16:creationId xmlns:a16="http://schemas.microsoft.com/office/drawing/2014/main" id="{4122B430-2EB3-B1BB-8348-586A67E37321}"/>
               </a:ext>
             </a:extLst>
           </p:cNvPr>
@@ -434,7 +434,7 @@
           <p:cNvPr id="4" name="日期占位符 3">
             <a:extLst>
               <a:ext uri="{FF2B5EF4-FFF2-40B4-BE49-F238E27FC236}">
-                <a16:creationId xmlns:a16="http://schemas.microsoft.com/office/drawing/2014/main" id="{BE0BECB5-8AD1-9007-F656-4ED420467DA4}"/>
+                <a16:creationId xmlns:a16="http://schemas.microsoft.com/office/drawing/2014/main" id="{D7EDBC7C-B852-199E-821C-3B2F43809B94}"/>
               </a:ext>
             </a:extLst>
           </p:cNvPr>
@@ -450,7 +450,7 @@
           <a:bodyPr/>
           <a:lstStyle/>
           <a:p>
-            <a:fld id="{33A3D3E9-F1F6-43E1-9355-8895B6EDDB4F}" type="datetimeFigureOut">
+            <a:fld id="{1BB0C309-0873-4BB6-8FB3-74A6140A770D}" type="datetimeFigureOut">
               <a:rPr lang="zh-CN" altLang="en-US" smtClean="0"/>
               <a:t>2024/3/10</a:t>
             </a:fld>
@@ -463,7 +463,7 @@
           <p:cNvPr id="5" name="页脚占位符 4">
             <a:extLst>
               <a:ext uri="{FF2B5EF4-FFF2-40B4-BE49-F238E27FC236}">
-                <a16:creationId xmlns:a16="http://schemas.microsoft.com/office/drawing/2014/main" id="{57FC47D5-596B-BC63-D008-C2673E110D0C}"/>
+                <a16:creationId xmlns:a16="http://schemas.microsoft.com/office/drawing/2014/main" id="{0AFC7B8E-8CD2-B1BA-8475-2C6BC876C37F}"/>
               </a:ext>
             </a:extLst>
           </p:cNvPr>
@@ -488,7 +488,7 @@
           <p:cNvPr id="6" name="灯片编号占位符 5">
             <a:extLst>
               <a:ext uri="{FF2B5EF4-FFF2-40B4-BE49-F238E27FC236}">
-                <a16:creationId xmlns:a16="http://schemas.microsoft.com/office/drawing/2014/main" id="{A6DA9223-AC8D-5F2E-3254-B12FA9A9C61F}"/>
+                <a16:creationId xmlns:a16="http://schemas.microsoft.com/office/drawing/2014/main" id="{3B3E5009-7E73-A800-B99B-03F318109DE6}"/>
               </a:ext>
             </a:extLst>
           </p:cNvPr>
@@ -504,7 +504,7 @@
           <a:bodyPr/>
           <a:lstStyle/>
           <a:p>
-            <a:fld id="{BEB876A0-C27F-4A5E-82CF-FFDFF6C2F743}" type="slidenum">
+            <a:fld id="{8D6DD218-2D45-464A-99FD-7A2F847539FC}" type="slidenum">
               <a:rPr lang="zh-CN" altLang="en-US" smtClean="0"/>
               <a:t>‹#›</a:t>
             </a:fld>
@@ -515,7 +515,7 @@
     </p:spTree>
     <p:extLst>
       <p:ext uri="{BB962C8B-B14F-4D97-AF65-F5344CB8AC3E}">
-        <p14:creationId xmlns:p14="http://schemas.microsoft.com/office/powerpoint/2010/main" val="1089840848"/>
+        <p14:creationId xmlns:p14="http://schemas.microsoft.com/office/powerpoint/2010/main" val="1353826079"/>
       </p:ext>
     </p:extLst>
   </p:cSld>
@@ -547,7 +547,7 @@
           <p:cNvPr id="2" name="竖排标题 1">
             <a:extLst>
               <a:ext uri="{FF2B5EF4-FFF2-40B4-BE49-F238E27FC236}">
-                <a16:creationId xmlns:a16="http://schemas.microsoft.com/office/drawing/2014/main" id="{3FE31C78-B4E8-09C2-8C57-EB3031A0FCB7}"/>
+                <a16:creationId xmlns:a16="http://schemas.microsoft.com/office/drawing/2014/main" id="{D10C2F1D-2981-F5A0-51D2-F5A3CAE71726}"/>
               </a:ext>
             </a:extLst>
           </p:cNvPr>
@@ -580,7 +580,7 @@
           <p:cNvPr id="3" name="竖排文字占位符 2">
             <a:extLst>
               <a:ext uri="{FF2B5EF4-FFF2-40B4-BE49-F238E27FC236}">
-                <a16:creationId xmlns:a16="http://schemas.microsoft.com/office/drawing/2014/main" id="{D2C83906-8084-0AA9-3503-6C19F1FABB36}"/>
+                <a16:creationId xmlns:a16="http://schemas.microsoft.com/office/drawing/2014/main" id="{0BD3D07E-83EA-5127-F591-EAE138811A91}"/>
               </a:ext>
             </a:extLst>
           </p:cNvPr>
@@ -642,7 +642,7 @@
           <p:cNvPr id="4" name="日期占位符 3">
             <a:extLst>
               <a:ext uri="{FF2B5EF4-FFF2-40B4-BE49-F238E27FC236}">
-                <a16:creationId xmlns:a16="http://schemas.microsoft.com/office/drawing/2014/main" id="{4E551190-0641-7E24-D2D5-937AF0F70CDE}"/>
+                <a16:creationId xmlns:a16="http://schemas.microsoft.com/office/drawing/2014/main" id="{86706C5F-AB38-3A91-CEA9-3AF0EBEAC9DB}"/>
               </a:ext>
             </a:extLst>
           </p:cNvPr>
@@ -658,7 +658,7 @@
           <a:bodyPr/>
           <a:lstStyle/>
           <a:p>
-            <a:fld id="{33A3D3E9-F1F6-43E1-9355-8895B6EDDB4F}" type="datetimeFigureOut">
+            <a:fld id="{1BB0C309-0873-4BB6-8FB3-74A6140A770D}" type="datetimeFigureOut">
               <a:rPr lang="zh-CN" altLang="en-US" smtClean="0"/>
               <a:t>2024/3/10</a:t>
             </a:fld>
@@ -671,7 +671,7 @@
           <p:cNvPr id="5" name="页脚占位符 4">
             <a:extLst>
               <a:ext uri="{FF2B5EF4-FFF2-40B4-BE49-F238E27FC236}">
-                <a16:creationId xmlns:a16="http://schemas.microsoft.com/office/drawing/2014/main" id="{5D58FDBF-37EE-0994-776C-E5FFC3E70E07}"/>
+                <a16:creationId xmlns:a16="http://schemas.microsoft.com/office/drawing/2014/main" id="{011EC498-F811-EEE8-2FB4-F59A397B4248}"/>
               </a:ext>
             </a:extLst>
           </p:cNvPr>
@@ -696,7 +696,7 @@
           <p:cNvPr id="6" name="灯片编号占位符 5">
             <a:extLst>
               <a:ext uri="{FF2B5EF4-FFF2-40B4-BE49-F238E27FC236}">
-                <a16:creationId xmlns:a16="http://schemas.microsoft.com/office/drawing/2014/main" id="{57F7DEA9-E169-1DD4-9949-6A518CFA12D6}"/>
+                <a16:creationId xmlns:a16="http://schemas.microsoft.com/office/drawing/2014/main" id="{E27E14E3-A4BC-CDEC-DC77-70AC69486A67}"/>
               </a:ext>
             </a:extLst>
           </p:cNvPr>
@@ -712,7 +712,7 @@
           <a:bodyPr/>
           <a:lstStyle/>
           <a:p>
-            <a:fld id="{BEB876A0-C27F-4A5E-82CF-FFDFF6C2F743}" type="slidenum">
+            <a:fld id="{8D6DD218-2D45-464A-99FD-7A2F847539FC}" type="slidenum">
               <a:rPr lang="zh-CN" altLang="en-US" smtClean="0"/>
               <a:t>‹#›</a:t>
             </a:fld>
@@ -723,7 +723,7 @@
     </p:spTree>
     <p:extLst>
       <p:ext uri="{BB962C8B-B14F-4D97-AF65-F5344CB8AC3E}">
-        <p14:creationId xmlns:p14="http://schemas.microsoft.com/office/powerpoint/2010/main" val="1670684283"/>
+        <p14:creationId xmlns:p14="http://schemas.microsoft.com/office/powerpoint/2010/main" val="3253011814"/>
       </p:ext>
     </p:extLst>
   </p:cSld>
@@ -755,7 +755,7 @@
           <p:cNvPr id="2" name="标题 1">
             <a:extLst>
               <a:ext uri="{FF2B5EF4-FFF2-40B4-BE49-F238E27FC236}">
-                <a16:creationId xmlns:a16="http://schemas.microsoft.com/office/drawing/2014/main" id="{3156943F-7769-8D94-3505-EEE203581657}"/>
+                <a16:creationId xmlns:a16="http://schemas.microsoft.com/office/drawing/2014/main" id="{EDB5420D-DE4D-169C-A8D5-5758D3AB4E14}"/>
               </a:ext>
             </a:extLst>
           </p:cNvPr>
@@ -783,7 +783,7 @@
           <p:cNvPr id="3" name="内容占位符 2">
             <a:extLst>
               <a:ext uri="{FF2B5EF4-FFF2-40B4-BE49-F238E27FC236}">
-                <a16:creationId xmlns:a16="http://schemas.microsoft.com/office/drawing/2014/main" id="{2C6A03B9-B311-B800-4FF5-FAF9DB8E2590}"/>
+                <a16:creationId xmlns:a16="http://schemas.microsoft.com/office/drawing/2014/main" id="{D7202C77-F77B-3DF5-3178-D262E00BF651}"/>
               </a:ext>
             </a:extLst>
           </p:cNvPr>
@@ -840,7 +840,7 @@
           <p:cNvPr id="4" name="日期占位符 3">
             <a:extLst>
               <a:ext uri="{FF2B5EF4-FFF2-40B4-BE49-F238E27FC236}">
-                <a16:creationId xmlns:a16="http://schemas.microsoft.com/office/drawing/2014/main" id="{53E2BD26-B0C4-43C3-43F5-65FA7DF13339}"/>
+                <a16:creationId xmlns:a16="http://schemas.microsoft.com/office/drawing/2014/main" id="{65B160AA-C9F1-BD75-A8FC-4AFFBA36E974}"/>
               </a:ext>
             </a:extLst>
           </p:cNvPr>
@@ -856,7 +856,7 @@
           <a:bodyPr/>
           <a:lstStyle/>
           <a:p>
-            <a:fld id="{33A3D3E9-F1F6-43E1-9355-8895B6EDDB4F}" type="datetimeFigureOut">
+            <a:fld id="{1BB0C309-0873-4BB6-8FB3-74A6140A770D}" type="datetimeFigureOut">
               <a:rPr lang="zh-CN" altLang="en-US" smtClean="0"/>
               <a:t>2024/3/10</a:t>
             </a:fld>
@@ -869,7 +869,7 @@
           <p:cNvPr id="5" name="页脚占位符 4">
             <a:extLst>
               <a:ext uri="{FF2B5EF4-FFF2-40B4-BE49-F238E27FC236}">
-                <a16:creationId xmlns:a16="http://schemas.microsoft.com/office/drawing/2014/main" id="{592533BF-B2B0-5EF9-823B-96EB95263CCA}"/>
+                <a16:creationId xmlns:a16="http://schemas.microsoft.com/office/drawing/2014/main" id="{75015B26-8034-82F9-5D2C-686DB8BDA855}"/>
               </a:ext>
             </a:extLst>
           </p:cNvPr>
@@ -894,7 +894,7 @@
           <p:cNvPr id="6" name="灯片编号占位符 5">
             <a:extLst>
               <a:ext uri="{FF2B5EF4-FFF2-40B4-BE49-F238E27FC236}">
-                <a16:creationId xmlns:a16="http://schemas.microsoft.com/office/drawing/2014/main" id="{49C1E613-BAA2-26E0-5A91-35B186C1C02C}"/>
+                <a16:creationId xmlns:a16="http://schemas.microsoft.com/office/drawing/2014/main" id="{DC5842A5-3E04-CC4A-9743-71A74CA1857E}"/>
               </a:ext>
             </a:extLst>
           </p:cNvPr>
@@ -910,7 +910,7 @@
           <a:bodyPr/>
           <a:lstStyle/>
           <a:p>
-            <a:fld id="{BEB876A0-C27F-4A5E-82CF-FFDFF6C2F743}" type="slidenum">
+            <a:fld id="{8D6DD218-2D45-464A-99FD-7A2F847539FC}" type="slidenum">
               <a:rPr lang="zh-CN" altLang="en-US" smtClean="0"/>
               <a:t>‹#›</a:t>
             </a:fld>
@@ -921,7 +921,7 @@
     </p:spTree>
     <p:extLst>
       <p:ext uri="{BB962C8B-B14F-4D97-AF65-F5344CB8AC3E}">
-        <p14:creationId xmlns:p14="http://schemas.microsoft.com/office/powerpoint/2010/main" val="295383400"/>
+        <p14:creationId xmlns:p14="http://schemas.microsoft.com/office/powerpoint/2010/main" val="3341951110"/>
       </p:ext>
     </p:extLst>
   </p:cSld>
@@ -953,7 +953,7 @@
           <p:cNvPr id="2" name="标题 1">
             <a:extLst>
               <a:ext uri="{FF2B5EF4-FFF2-40B4-BE49-F238E27FC236}">
-                <a16:creationId xmlns:a16="http://schemas.microsoft.com/office/drawing/2014/main" id="{942F7B64-37CD-654D-03B4-21861668FE5F}"/>
+                <a16:creationId xmlns:a16="http://schemas.microsoft.com/office/drawing/2014/main" id="{B8433562-F04D-5486-C588-AFD92F1ED23A}"/>
               </a:ext>
             </a:extLst>
           </p:cNvPr>
@@ -990,7 +990,7 @@
           <p:cNvPr id="3" name="文本占位符 2">
             <a:extLst>
               <a:ext uri="{FF2B5EF4-FFF2-40B4-BE49-F238E27FC236}">
-                <a16:creationId xmlns:a16="http://schemas.microsoft.com/office/drawing/2014/main" id="{957758FE-F732-D0E7-8190-AECB83F9997D}"/>
+                <a16:creationId xmlns:a16="http://schemas.microsoft.com/office/drawing/2014/main" id="{16F079FF-D004-A7FF-3E14-41DE7D8F4823}"/>
               </a:ext>
             </a:extLst>
           </p:cNvPr>
@@ -1115,7 +1115,7 @@
           <p:cNvPr id="4" name="日期占位符 3">
             <a:extLst>
               <a:ext uri="{FF2B5EF4-FFF2-40B4-BE49-F238E27FC236}">
-                <a16:creationId xmlns:a16="http://schemas.microsoft.com/office/drawing/2014/main" id="{CBD2EAEE-A825-EAFB-4B06-ECA592F022B7}"/>
+                <a16:creationId xmlns:a16="http://schemas.microsoft.com/office/drawing/2014/main" id="{F512D768-F46E-22A7-E0F1-6E7FDAC0DE63}"/>
               </a:ext>
             </a:extLst>
           </p:cNvPr>
@@ -1131,7 +1131,7 @@
           <a:bodyPr/>
           <a:lstStyle/>
           <a:p>
-            <a:fld id="{33A3D3E9-F1F6-43E1-9355-8895B6EDDB4F}" type="datetimeFigureOut">
+            <a:fld id="{1BB0C309-0873-4BB6-8FB3-74A6140A770D}" type="datetimeFigureOut">
               <a:rPr lang="zh-CN" altLang="en-US" smtClean="0"/>
               <a:t>2024/3/10</a:t>
             </a:fld>
@@ -1144,7 +1144,7 @@
           <p:cNvPr id="5" name="页脚占位符 4">
             <a:extLst>
               <a:ext uri="{FF2B5EF4-FFF2-40B4-BE49-F238E27FC236}">
-                <a16:creationId xmlns:a16="http://schemas.microsoft.com/office/drawing/2014/main" id="{49574F71-5EFD-0692-F32E-FBAC5D5CDA04}"/>
+                <a16:creationId xmlns:a16="http://schemas.microsoft.com/office/drawing/2014/main" id="{41623AB3-E887-82A3-77B3-14A07BD57A4D}"/>
               </a:ext>
             </a:extLst>
           </p:cNvPr>
@@ -1169,7 +1169,7 @@
           <p:cNvPr id="6" name="灯片编号占位符 5">
             <a:extLst>
               <a:ext uri="{FF2B5EF4-FFF2-40B4-BE49-F238E27FC236}">
-                <a16:creationId xmlns:a16="http://schemas.microsoft.com/office/drawing/2014/main" id="{517277CB-FC59-92E7-5D3D-F00B7E01642D}"/>
+                <a16:creationId xmlns:a16="http://schemas.microsoft.com/office/drawing/2014/main" id="{2E54F888-516A-483B-A764-B6E383D53F57}"/>
               </a:ext>
             </a:extLst>
           </p:cNvPr>
@@ -1185,7 +1185,7 @@
           <a:bodyPr/>
           <a:lstStyle/>
           <a:p>
-            <a:fld id="{BEB876A0-C27F-4A5E-82CF-FFDFF6C2F743}" type="slidenum">
+            <a:fld id="{8D6DD218-2D45-464A-99FD-7A2F847539FC}" type="slidenum">
               <a:rPr lang="zh-CN" altLang="en-US" smtClean="0"/>
               <a:t>‹#›</a:t>
             </a:fld>
@@ -1196,7 +1196,7 @@
     </p:spTree>
     <p:extLst>
       <p:ext uri="{BB962C8B-B14F-4D97-AF65-F5344CB8AC3E}">
-        <p14:creationId xmlns:p14="http://schemas.microsoft.com/office/powerpoint/2010/main" val="1382354979"/>
+        <p14:creationId xmlns:p14="http://schemas.microsoft.com/office/powerpoint/2010/main" val="3607860316"/>
       </p:ext>
     </p:extLst>
   </p:cSld>
@@ -1228,7 +1228,7 @@
           <p:cNvPr id="2" name="标题 1">
             <a:extLst>
               <a:ext uri="{FF2B5EF4-FFF2-40B4-BE49-F238E27FC236}">
-                <a16:creationId xmlns:a16="http://schemas.microsoft.com/office/drawing/2014/main" id="{7BE64A61-15C6-EB0D-2D93-475B2BD7BA61}"/>
+                <a16:creationId xmlns:a16="http://schemas.microsoft.com/office/drawing/2014/main" id="{5D8F4E3D-48D9-4B1A-3641-693B18C15E33}"/>
               </a:ext>
             </a:extLst>
           </p:cNvPr>
@@ -1256,7 +1256,7 @@
           <p:cNvPr id="3" name="内容占位符 2">
             <a:extLst>
               <a:ext uri="{FF2B5EF4-FFF2-40B4-BE49-F238E27FC236}">
-                <a16:creationId xmlns:a16="http://schemas.microsoft.com/office/drawing/2014/main" id="{7399F7B3-AED4-1F6E-5A8F-0E54E4B1EAE4}"/>
+                <a16:creationId xmlns:a16="http://schemas.microsoft.com/office/drawing/2014/main" id="{3FD6B97F-5815-ABE7-32B1-AE5A8C97778D}"/>
               </a:ext>
             </a:extLst>
           </p:cNvPr>
@@ -1318,7 +1318,7 @@
           <p:cNvPr id="4" name="内容占位符 3">
             <a:extLst>
               <a:ext uri="{FF2B5EF4-FFF2-40B4-BE49-F238E27FC236}">
-                <a16:creationId xmlns:a16="http://schemas.microsoft.com/office/drawing/2014/main" id="{433AEF93-A7E9-78D3-5094-E35C65569473}"/>
+                <a16:creationId xmlns:a16="http://schemas.microsoft.com/office/drawing/2014/main" id="{9EE3231B-1F38-61EA-849E-099E533865C6}"/>
               </a:ext>
             </a:extLst>
           </p:cNvPr>
@@ -1380,7 +1380,7 @@
           <p:cNvPr id="5" name="日期占位符 4">
             <a:extLst>
               <a:ext uri="{FF2B5EF4-FFF2-40B4-BE49-F238E27FC236}">
-                <a16:creationId xmlns:a16="http://schemas.microsoft.com/office/drawing/2014/main" id="{2B760C76-15EF-E419-86E2-4C25314E713E}"/>
+                <a16:creationId xmlns:a16="http://schemas.microsoft.com/office/drawing/2014/main" id="{AFCC95FD-45CE-38CC-A6F9-33C303AC00CF}"/>
               </a:ext>
             </a:extLst>
           </p:cNvPr>
@@ -1396,7 +1396,7 @@
           <a:bodyPr/>
           <a:lstStyle/>
           <a:p>
-            <a:fld id="{33A3D3E9-F1F6-43E1-9355-8895B6EDDB4F}" type="datetimeFigureOut">
+            <a:fld id="{1BB0C309-0873-4BB6-8FB3-74A6140A770D}" type="datetimeFigureOut">
               <a:rPr lang="zh-CN" altLang="en-US" smtClean="0"/>
               <a:t>2024/3/10</a:t>
             </a:fld>
@@ -1409,7 +1409,7 @@
           <p:cNvPr id="6" name="页脚占位符 5">
             <a:extLst>
               <a:ext uri="{FF2B5EF4-FFF2-40B4-BE49-F238E27FC236}">
-                <a16:creationId xmlns:a16="http://schemas.microsoft.com/office/drawing/2014/main" id="{46747008-6282-9A61-357D-3C8CCC362D82}"/>
+                <a16:creationId xmlns:a16="http://schemas.microsoft.com/office/drawing/2014/main" id="{4108FE06-FFBE-D6BE-645A-0967DA8A814F}"/>
               </a:ext>
             </a:extLst>
           </p:cNvPr>
@@ -1434,7 +1434,7 @@
           <p:cNvPr id="7" name="灯片编号占位符 6">
             <a:extLst>
               <a:ext uri="{FF2B5EF4-FFF2-40B4-BE49-F238E27FC236}">
-                <a16:creationId xmlns:a16="http://schemas.microsoft.com/office/drawing/2014/main" id="{566FC3EC-039D-F6F7-12E8-804935B7C74B}"/>
+                <a16:creationId xmlns:a16="http://schemas.microsoft.com/office/drawing/2014/main" id="{CC103319-036B-D6C1-EE15-6D6122E30348}"/>
               </a:ext>
             </a:extLst>
           </p:cNvPr>
@@ -1450,7 +1450,7 @@
           <a:bodyPr/>
           <a:lstStyle/>
           <a:p>
-            <a:fld id="{BEB876A0-C27F-4A5E-82CF-FFDFF6C2F743}" type="slidenum">
+            <a:fld id="{8D6DD218-2D45-464A-99FD-7A2F847539FC}" type="slidenum">
               <a:rPr lang="zh-CN" altLang="en-US" smtClean="0"/>
               <a:t>‹#›</a:t>
             </a:fld>
@@ -1461,7 +1461,7 @@
     </p:spTree>
     <p:extLst>
       <p:ext uri="{BB962C8B-B14F-4D97-AF65-F5344CB8AC3E}">
-        <p14:creationId xmlns:p14="http://schemas.microsoft.com/office/powerpoint/2010/main" val="1528236847"/>
+        <p14:creationId xmlns:p14="http://schemas.microsoft.com/office/powerpoint/2010/main" val="1624517680"/>
       </p:ext>
     </p:extLst>
   </p:cSld>
@@ -1493,7 +1493,7 @@
           <p:cNvPr id="2" name="标题 1">
             <a:extLst>
               <a:ext uri="{FF2B5EF4-FFF2-40B4-BE49-F238E27FC236}">
-                <a16:creationId xmlns:a16="http://schemas.microsoft.com/office/drawing/2014/main" id="{A9F4CDFC-A63E-F8B7-F0BB-E928D90C025D}"/>
+                <a16:creationId xmlns:a16="http://schemas.microsoft.com/office/drawing/2014/main" id="{FDBAB18A-AC26-FA90-2047-81D84CA05C87}"/>
               </a:ext>
             </a:extLst>
           </p:cNvPr>
@@ -1526,7 +1526,7 @@
           <p:cNvPr id="3" name="文本占位符 2">
             <a:extLst>
               <a:ext uri="{FF2B5EF4-FFF2-40B4-BE49-F238E27FC236}">
-                <a16:creationId xmlns:a16="http://schemas.microsoft.com/office/drawing/2014/main" id="{09069C40-3E9E-6E61-B82D-0A1691323EA5}"/>
+                <a16:creationId xmlns:a16="http://schemas.microsoft.com/office/drawing/2014/main" id="{879CEED7-A897-2478-F087-50A214F11F6E}"/>
               </a:ext>
             </a:extLst>
           </p:cNvPr>
@@ -1597,7 +1597,7 @@
           <p:cNvPr id="4" name="内容占位符 3">
             <a:extLst>
               <a:ext uri="{FF2B5EF4-FFF2-40B4-BE49-F238E27FC236}">
-                <a16:creationId xmlns:a16="http://schemas.microsoft.com/office/drawing/2014/main" id="{890394D5-9E24-E5A4-EF13-DE03F8BE0679}"/>
+                <a16:creationId xmlns:a16="http://schemas.microsoft.com/office/drawing/2014/main" id="{BEB2F203-D5A9-C62C-CB6E-14C120694178}"/>
               </a:ext>
             </a:extLst>
           </p:cNvPr>
@@ -1659,7 +1659,7 @@
           <p:cNvPr id="5" name="文本占位符 4">
             <a:extLst>
               <a:ext uri="{FF2B5EF4-FFF2-40B4-BE49-F238E27FC236}">
-                <a16:creationId xmlns:a16="http://schemas.microsoft.com/office/drawing/2014/main" id="{53E5221B-20EB-4FBE-C448-61B332BC9A7C}"/>
+                <a16:creationId xmlns:a16="http://schemas.microsoft.com/office/drawing/2014/main" id="{52F5CB47-80BF-D8E4-D976-480A84929902}"/>
               </a:ext>
             </a:extLst>
           </p:cNvPr>
@@ -1730,7 +1730,7 @@
           <p:cNvPr id="6" name="内容占位符 5">
             <a:extLst>
               <a:ext uri="{FF2B5EF4-FFF2-40B4-BE49-F238E27FC236}">
-                <a16:creationId xmlns:a16="http://schemas.microsoft.com/office/drawing/2014/main" id="{4E680517-08F0-A3E7-A155-9FD6B00387AE}"/>
+                <a16:creationId xmlns:a16="http://schemas.microsoft.com/office/drawing/2014/main" id="{3202C572-7C16-9358-E054-86C254B320EA}"/>
               </a:ext>
             </a:extLst>
           </p:cNvPr>
@@ -1792,7 +1792,7 @@
           <p:cNvPr id="7" name="日期占位符 6">
             <a:extLst>
               <a:ext uri="{FF2B5EF4-FFF2-40B4-BE49-F238E27FC236}">
-                <a16:creationId xmlns:a16="http://schemas.microsoft.com/office/drawing/2014/main" id="{C821E906-D647-014E-98D1-DA851212AD6C}"/>
+                <a16:creationId xmlns:a16="http://schemas.microsoft.com/office/drawing/2014/main" id="{D29500D7-A55E-F2C5-5CCA-4BDE7C39C4BD}"/>
               </a:ext>
             </a:extLst>
           </p:cNvPr>
@@ -1808,7 +1808,7 @@
           <a:bodyPr/>
           <a:lstStyle/>
           <a:p>
-            <a:fld id="{33A3D3E9-F1F6-43E1-9355-8895B6EDDB4F}" type="datetimeFigureOut">
+            <a:fld id="{1BB0C309-0873-4BB6-8FB3-74A6140A770D}" type="datetimeFigureOut">
               <a:rPr lang="zh-CN" altLang="en-US" smtClean="0"/>
               <a:t>2024/3/10</a:t>
             </a:fld>
@@ -1821,7 +1821,7 @@
           <p:cNvPr id="8" name="页脚占位符 7">
             <a:extLst>
               <a:ext uri="{FF2B5EF4-FFF2-40B4-BE49-F238E27FC236}">
-                <a16:creationId xmlns:a16="http://schemas.microsoft.com/office/drawing/2014/main" id="{33C1B879-E2F7-4FC2-2943-6E9310CD2E8D}"/>
+                <a16:creationId xmlns:a16="http://schemas.microsoft.com/office/drawing/2014/main" id="{5453B396-57C2-51BB-0046-E72770334169}"/>
               </a:ext>
             </a:extLst>
           </p:cNvPr>
@@ -1846,7 +1846,7 @@
           <p:cNvPr id="9" name="灯片编号占位符 8">
             <a:extLst>
               <a:ext uri="{FF2B5EF4-FFF2-40B4-BE49-F238E27FC236}">
-                <a16:creationId xmlns:a16="http://schemas.microsoft.com/office/drawing/2014/main" id="{8B2B8A70-3CEC-B452-F4C0-CE54135273B7}"/>
+                <a16:creationId xmlns:a16="http://schemas.microsoft.com/office/drawing/2014/main" id="{A06D065E-C7DC-4A60-E0E2-FDE729AADCD1}"/>
               </a:ext>
             </a:extLst>
           </p:cNvPr>
@@ -1862,7 +1862,7 @@
           <a:bodyPr/>
           <a:lstStyle/>
           <a:p>
-            <a:fld id="{BEB876A0-C27F-4A5E-82CF-FFDFF6C2F743}" type="slidenum">
+            <a:fld id="{8D6DD218-2D45-464A-99FD-7A2F847539FC}" type="slidenum">
               <a:rPr lang="zh-CN" altLang="en-US" smtClean="0"/>
               <a:t>‹#›</a:t>
             </a:fld>
@@ -1873,7 +1873,7 @@
     </p:spTree>
     <p:extLst>
       <p:ext uri="{BB962C8B-B14F-4D97-AF65-F5344CB8AC3E}">
-        <p14:creationId xmlns:p14="http://schemas.microsoft.com/office/powerpoint/2010/main" val="2757156915"/>
+        <p14:creationId xmlns:p14="http://schemas.microsoft.com/office/powerpoint/2010/main" val="303640493"/>
       </p:ext>
     </p:extLst>
   </p:cSld>
@@ -1905,7 +1905,7 @@
           <p:cNvPr id="2" name="标题 1">
             <a:extLst>
               <a:ext uri="{FF2B5EF4-FFF2-40B4-BE49-F238E27FC236}">
-                <a16:creationId xmlns:a16="http://schemas.microsoft.com/office/drawing/2014/main" id="{43A9A694-3BC0-7C07-FAE3-4C8847C4C00A}"/>
+                <a16:creationId xmlns:a16="http://schemas.microsoft.com/office/drawing/2014/main" id="{C2A394DA-B805-7F68-F172-304826CA1F46}"/>
               </a:ext>
             </a:extLst>
           </p:cNvPr>
@@ -1933,7 +1933,7 @@
           <p:cNvPr id="3" name="日期占位符 2">
             <a:extLst>
               <a:ext uri="{FF2B5EF4-FFF2-40B4-BE49-F238E27FC236}">
-                <a16:creationId xmlns:a16="http://schemas.microsoft.com/office/drawing/2014/main" id="{E3A76964-EABA-1F4C-788B-E9DFC7B27A13}"/>
+                <a16:creationId xmlns:a16="http://schemas.microsoft.com/office/drawing/2014/main" id="{903BEFA3-E9D0-C222-2B7F-968C2173CB63}"/>
               </a:ext>
             </a:extLst>
           </p:cNvPr>
@@ -1949,7 +1949,7 @@
           <a:bodyPr/>
           <a:lstStyle/>
           <a:p>
-            <a:fld id="{33A3D3E9-F1F6-43E1-9355-8895B6EDDB4F}" type="datetimeFigureOut">
+            <a:fld id="{1BB0C309-0873-4BB6-8FB3-74A6140A770D}" type="datetimeFigureOut">
               <a:rPr lang="zh-CN" altLang="en-US" smtClean="0"/>
               <a:t>2024/3/10</a:t>
             </a:fld>
@@ -1962,7 +1962,7 @@
           <p:cNvPr id="4" name="页脚占位符 3">
             <a:extLst>
               <a:ext uri="{FF2B5EF4-FFF2-40B4-BE49-F238E27FC236}">
-                <a16:creationId xmlns:a16="http://schemas.microsoft.com/office/drawing/2014/main" id="{65D9B95A-0C2C-C0E8-413B-2018DC9FFEC9}"/>
+                <a16:creationId xmlns:a16="http://schemas.microsoft.com/office/drawing/2014/main" id="{C3F43CB7-CAE2-FBD6-14EF-EDCD2E3D6286}"/>
               </a:ext>
             </a:extLst>
           </p:cNvPr>
@@ -1987,7 +1987,7 @@
           <p:cNvPr id="5" name="灯片编号占位符 4">
             <a:extLst>
               <a:ext uri="{FF2B5EF4-FFF2-40B4-BE49-F238E27FC236}">
-                <a16:creationId xmlns:a16="http://schemas.microsoft.com/office/drawing/2014/main" id="{00758A18-ABCA-9B57-9A59-442E4B1ECAFC}"/>
+                <a16:creationId xmlns:a16="http://schemas.microsoft.com/office/drawing/2014/main" id="{13B02756-4455-62E4-2DD9-E61083EAA3BA}"/>
               </a:ext>
             </a:extLst>
           </p:cNvPr>
@@ -2003,7 +2003,7 @@
           <a:bodyPr/>
           <a:lstStyle/>
           <a:p>
-            <a:fld id="{BEB876A0-C27F-4A5E-82CF-FFDFF6C2F743}" type="slidenum">
+            <a:fld id="{8D6DD218-2D45-464A-99FD-7A2F847539FC}" type="slidenum">
               <a:rPr lang="zh-CN" altLang="en-US" smtClean="0"/>
               <a:t>‹#›</a:t>
             </a:fld>
@@ -2014,7 +2014,7 @@
     </p:spTree>
     <p:extLst>
       <p:ext uri="{BB962C8B-B14F-4D97-AF65-F5344CB8AC3E}">
-        <p14:creationId xmlns:p14="http://schemas.microsoft.com/office/powerpoint/2010/main" val="1162894730"/>
+        <p14:creationId xmlns:p14="http://schemas.microsoft.com/office/powerpoint/2010/main" val="1146066154"/>
       </p:ext>
     </p:extLst>
   </p:cSld>
@@ -2046,7 +2046,7 @@
           <p:cNvPr id="2" name="日期占位符 1">
             <a:extLst>
               <a:ext uri="{FF2B5EF4-FFF2-40B4-BE49-F238E27FC236}">
-                <a16:creationId xmlns:a16="http://schemas.microsoft.com/office/drawing/2014/main" id="{51260DD3-0150-A2D2-45C1-C5FC1EFEA308}"/>
+                <a16:creationId xmlns:a16="http://schemas.microsoft.com/office/drawing/2014/main" id="{17434AE0-080A-3EAC-8A8F-B7E24ED7CFC6}"/>
               </a:ext>
             </a:extLst>
           </p:cNvPr>
@@ -2062,7 +2062,7 @@
           <a:bodyPr/>
           <a:lstStyle/>
           <a:p>
-            <a:fld id="{33A3D3E9-F1F6-43E1-9355-8895B6EDDB4F}" type="datetimeFigureOut">
+            <a:fld id="{1BB0C309-0873-4BB6-8FB3-74A6140A770D}" type="datetimeFigureOut">
               <a:rPr lang="zh-CN" altLang="en-US" smtClean="0"/>
               <a:t>2024/3/10</a:t>
             </a:fld>
@@ -2075,7 +2075,7 @@
           <p:cNvPr id="3" name="页脚占位符 2">
             <a:extLst>
               <a:ext uri="{FF2B5EF4-FFF2-40B4-BE49-F238E27FC236}">
-                <a16:creationId xmlns:a16="http://schemas.microsoft.com/office/drawing/2014/main" id="{9BFA7360-76C3-C6FF-6896-38FE636948A0}"/>
+                <a16:creationId xmlns:a16="http://schemas.microsoft.com/office/drawing/2014/main" id="{F87E4A94-9672-518C-4B5E-887091CC124C}"/>
               </a:ext>
             </a:extLst>
           </p:cNvPr>
@@ -2100,7 +2100,7 @@
           <p:cNvPr id="4" name="灯片编号占位符 3">
             <a:extLst>
               <a:ext uri="{FF2B5EF4-FFF2-40B4-BE49-F238E27FC236}">
-                <a16:creationId xmlns:a16="http://schemas.microsoft.com/office/drawing/2014/main" id="{69DE59E2-8A22-6B45-7FE8-DC5620938309}"/>
+                <a16:creationId xmlns:a16="http://schemas.microsoft.com/office/drawing/2014/main" id="{9FFFA8E2-8FC6-74A0-4B47-5E051ACF9CA5}"/>
               </a:ext>
             </a:extLst>
           </p:cNvPr>
@@ -2116,7 +2116,7 @@
           <a:bodyPr/>
           <a:lstStyle/>
           <a:p>
-            <a:fld id="{BEB876A0-C27F-4A5E-82CF-FFDFF6C2F743}" type="slidenum">
+            <a:fld id="{8D6DD218-2D45-464A-99FD-7A2F847539FC}" type="slidenum">
               <a:rPr lang="zh-CN" altLang="en-US" smtClean="0"/>
               <a:t>‹#›</a:t>
             </a:fld>
@@ -2127,7 +2127,7 @@
     </p:spTree>
     <p:extLst>
       <p:ext uri="{BB962C8B-B14F-4D97-AF65-F5344CB8AC3E}">
-        <p14:creationId xmlns:p14="http://schemas.microsoft.com/office/powerpoint/2010/main" val="2445821850"/>
+        <p14:creationId xmlns:p14="http://schemas.microsoft.com/office/powerpoint/2010/main" val="500712534"/>
       </p:ext>
     </p:extLst>
   </p:cSld>
@@ -2159,7 +2159,7 @@
           <p:cNvPr id="2" name="标题 1">
             <a:extLst>
               <a:ext uri="{FF2B5EF4-FFF2-40B4-BE49-F238E27FC236}">
-                <a16:creationId xmlns:a16="http://schemas.microsoft.com/office/drawing/2014/main" id="{A96F549A-E884-4B93-F712-3C3C5767804E}"/>
+                <a16:creationId xmlns:a16="http://schemas.microsoft.com/office/drawing/2014/main" id="{3170E882-4A2A-7FC6-A884-FBC20DEA8B23}"/>
               </a:ext>
             </a:extLst>
           </p:cNvPr>
@@ -2196,7 +2196,7 @@
           <p:cNvPr id="3" name="内容占位符 2">
             <a:extLst>
               <a:ext uri="{FF2B5EF4-FFF2-40B4-BE49-F238E27FC236}">
-                <a16:creationId xmlns:a16="http://schemas.microsoft.com/office/drawing/2014/main" id="{42D07163-FE41-61B6-841B-FCB372C6E552}"/>
+                <a16:creationId xmlns:a16="http://schemas.microsoft.com/office/drawing/2014/main" id="{953701EE-04B6-0B83-0D7F-F3A124A620DF}"/>
               </a:ext>
             </a:extLst>
           </p:cNvPr>
@@ -2286,7 +2286,7 @@
           <p:cNvPr id="4" name="文本占位符 3">
             <a:extLst>
               <a:ext uri="{FF2B5EF4-FFF2-40B4-BE49-F238E27FC236}">
-                <a16:creationId xmlns:a16="http://schemas.microsoft.com/office/drawing/2014/main" id="{EDD3A843-BBDA-A630-7E4E-0937EA7A37D5}"/>
+                <a16:creationId xmlns:a16="http://schemas.microsoft.com/office/drawing/2014/main" id="{EE2E6E8F-D5D0-9731-1613-67ED659CD736}"/>
               </a:ext>
             </a:extLst>
           </p:cNvPr>
@@ -2357,7 +2357,7 @@
           <p:cNvPr id="5" name="日期占位符 4">
             <a:extLst>
               <a:ext uri="{FF2B5EF4-FFF2-40B4-BE49-F238E27FC236}">
-                <a16:creationId xmlns:a16="http://schemas.microsoft.com/office/drawing/2014/main" id="{2FB0A656-B485-FD12-169D-59D3DE4DF2E7}"/>
+                <a16:creationId xmlns:a16="http://schemas.microsoft.com/office/drawing/2014/main" id="{3FABE5CC-A8CF-75F5-9AFA-3DDBBE738DFF}"/>
               </a:ext>
             </a:extLst>
           </p:cNvPr>
@@ -2373,7 +2373,7 @@
           <a:bodyPr/>
           <a:lstStyle/>
           <a:p>
-            <a:fld id="{33A3D3E9-F1F6-43E1-9355-8895B6EDDB4F}" type="datetimeFigureOut">
+            <a:fld id="{1BB0C309-0873-4BB6-8FB3-74A6140A770D}" type="datetimeFigureOut">
               <a:rPr lang="zh-CN" altLang="en-US" smtClean="0"/>
               <a:t>2024/3/10</a:t>
             </a:fld>
@@ -2386,7 +2386,7 @@
           <p:cNvPr id="6" name="页脚占位符 5">
             <a:extLst>
               <a:ext uri="{FF2B5EF4-FFF2-40B4-BE49-F238E27FC236}">
-                <a16:creationId xmlns:a16="http://schemas.microsoft.com/office/drawing/2014/main" id="{3CE95AAC-E2BF-11B7-A936-31D5F8B4B1B0}"/>
+                <a16:creationId xmlns:a16="http://schemas.microsoft.com/office/drawing/2014/main" id="{225DE0EB-C1A4-C9A0-984E-BFB1628CECCC}"/>
               </a:ext>
             </a:extLst>
           </p:cNvPr>
@@ -2411,7 +2411,7 @@
           <p:cNvPr id="7" name="灯片编号占位符 6">
             <a:extLst>
               <a:ext uri="{FF2B5EF4-FFF2-40B4-BE49-F238E27FC236}">
-                <a16:creationId xmlns:a16="http://schemas.microsoft.com/office/drawing/2014/main" id="{39D8A556-DE5A-8E58-B0AA-71B462D37D36}"/>
+                <a16:creationId xmlns:a16="http://schemas.microsoft.com/office/drawing/2014/main" id="{B38AAA51-2560-5C62-2F01-386D5693806E}"/>
               </a:ext>
             </a:extLst>
           </p:cNvPr>
@@ -2427,7 +2427,7 @@
           <a:bodyPr/>
           <a:lstStyle/>
           <a:p>
-            <a:fld id="{BEB876A0-C27F-4A5E-82CF-FFDFF6C2F743}" type="slidenum">
+            <a:fld id="{8D6DD218-2D45-464A-99FD-7A2F847539FC}" type="slidenum">
               <a:rPr lang="zh-CN" altLang="en-US" smtClean="0"/>
               <a:t>‹#›</a:t>
             </a:fld>
@@ -2438,7 +2438,7 @@
     </p:spTree>
     <p:extLst>
       <p:ext uri="{BB962C8B-B14F-4D97-AF65-F5344CB8AC3E}">
-        <p14:creationId xmlns:p14="http://schemas.microsoft.com/office/powerpoint/2010/main" val="1220294448"/>
+        <p14:creationId xmlns:p14="http://schemas.microsoft.com/office/powerpoint/2010/main" val="3419388312"/>
       </p:ext>
     </p:extLst>
   </p:cSld>
@@ -2470,7 +2470,7 @@
           <p:cNvPr id="2" name="标题 1">
             <a:extLst>
               <a:ext uri="{FF2B5EF4-FFF2-40B4-BE49-F238E27FC236}">
-                <a16:creationId xmlns:a16="http://schemas.microsoft.com/office/drawing/2014/main" id="{A94BBB09-54C8-3147-BB11-28DCC03A468D}"/>
+                <a16:creationId xmlns:a16="http://schemas.microsoft.com/office/drawing/2014/main" id="{90296F33-9A00-A595-EC91-7ADB5B95B213}"/>
               </a:ext>
             </a:extLst>
           </p:cNvPr>
@@ -2507,7 +2507,7 @@
           <p:cNvPr id="3" name="图片占位符 2">
             <a:extLst>
               <a:ext uri="{FF2B5EF4-FFF2-40B4-BE49-F238E27FC236}">
-                <a16:creationId xmlns:a16="http://schemas.microsoft.com/office/drawing/2014/main" id="{54B95E53-E4DA-9264-0B85-0D795E6A38FB}"/>
+                <a16:creationId xmlns:a16="http://schemas.microsoft.com/office/drawing/2014/main" id="{367FA3BE-EB28-27D6-1631-77E2EBE8B563}"/>
               </a:ext>
             </a:extLst>
           </p:cNvPr>
@@ -2574,7 +2574,7 @@
           <p:cNvPr id="4" name="文本占位符 3">
             <a:extLst>
               <a:ext uri="{FF2B5EF4-FFF2-40B4-BE49-F238E27FC236}">
-                <a16:creationId xmlns:a16="http://schemas.microsoft.com/office/drawing/2014/main" id="{EDBCE23B-4CD9-EA45-E897-943585E549B8}"/>
+                <a16:creationId xmlns:a16="http://schemas.microsoft.com/office/drawing/2014/main" id="{DDCD6875-99A0-F7FF-43B8-896E192517B7}"/>
               </a:ext>
             </a:extLst>
           </p:cNvPr>
@@ -2645,7 +2645,7 @@
           <p:cNvPr id="5" name="日期占位符 4">
             <a:extLst>
               <a:ext uri="{FF2B5EF4-FFF2-40B4-BE49-F238E27FC236}">
-                <a16:creationId xmlns:a16="http://schemas.microsoft.com/office/drawing/2014/main" id="{33348FFA-854C-20D4-3BB3-7399B2D88292}"/>
+                <a16:creationId xmlns:a16="http://schemas.microsoft.com/office/drawing/2014/main" id="{C08C2BBE-5823-59B3-292E-2374CFA4CBF1}"/>
               </a:ext>
             </a:extLst>
           </p:cNvPr>
@@ -2661,7 +2661,7 @@
           <a:bodyPr/>
           <a:lstStyle/>
           <a:p>
-            <a:fld id="{33A3D3E9-F1F6-43E1-9355-8895B6EDDB4F}" type="datetimeFigureOut">
+            <a:fld id="{1BB0C309-0873-4BB6-8FB3-74A6140A770D}" type="datetimeFigureOut">
               <a:rPr lang="zh-CN" altLang="en-US" smtClean="0"/>
               <a:t>2024/3/10</a:t>
             </a:fld>
@@ -2674,7 +2674,7 @@
           <p:cNvPr id="6" name="页脚占位符 5">
             <a:extLst>
               <a:ext uri="{FF2B5EF4-FFF2-40B4-BE49-F238E27FC236}">
-                <a16:creationId xmlns:a16="http://schemas.microsoft.com/office/drawing/2014/main" id="{BA2E4F4C-46FD-C182-767E-371A14C31E13}"/>
+                <a16:creationId xmlns:a16="http://schemas.microsoft.com/office/drawing/2014/main" id="{B3337BEB-F49B-21F2-E2C3-787B83CE61A9}"/>
               </a:ext>
             </a:extLst>
           </p:cNvPr>
@@ -2699,7 +2699,7 @@
           <p:cNvPr id="7" name="灯片编号占位符 6">
             <a:extLst>
               <a:ext uri="{FF2B5EF4-FFF2-40B4-BE49-F238E27FC236}">
-                <a16:creationId xmlns:a16="http://schemas.microsoft.com/office/drawing/2014/main" id="{95F60505-5768-CCA0-8120-1C4B1D80EBE1}"/>
+                <a16:creationId xmlns:a16="http://schemas.microsoft.com/office/drawing/2014/main" id="{AF4AB162-0EC6-3541-90F7-57682D8C4148}"/>
               </a:ext>
             </a:extLst>
           </p:cNvPr>
@@ -2715,7 +2715,7 @@
           <a:bodyPr/>
           <a:lstStyle/>
           <a:p>
-            <a:fld id="{BEB876A0-C27F-4A5E-82CF-FFDFF6C2F743}" type="slidenum">
+            <a:fld id="{8D6DD218-2D45-464A-99FD-7A2F847539FC}" type="slidenum">
               <a:rPr lang="zh-CN" altLang="en-US" smtClean="0"/>
               <a:t>‹#›</a:t>
             </a:fld>
@@ -2726,7 +2726,7 @@
     </p:spTree>
     <p:extLst>
       <p:ext uri="{BB962C8B-B14F-4D97-AF65-F5344CB8AC3E}">
-        <p14:creationId xmlns:p14="http://schemas.microsoft.com/office/powerpoint/2010/main" val="1946779178"/>
+        <p14:creationId xmlns:p14="http://schemas.microsoft.com/office/powerpoint/2010/main" val="3117172589"/>
       </p:ext>
     </p:extLst>
   </p:cSld>
@@ -2763,7 +2763,7 @@
           <p:cNvPr id="2" name="标题占位符 1">
             <a:extLst>
               <a:ext uri="{FF2B5EF4-FFF2-40B4-BE49-F238E27FC236}">
-                <a16:creationId xmlns:a16="http://schemas.microsoft.com/office/drawing/2014/main" id="{7D992DCB-C69E-B763-9972-0BDC3E87F1A7}"/>
+                <a16:creationId xmlns:a16="http://schemas.microsoft.com/office/drawing/2014/main" id="{0298C5CD-9492-0EB8-972A-F223828FE006}"/>
               </a:ext>
             </a:extLst>
           </p:cNvPr>
@@ -2801,7 +2801,7 @@
           <p:cNvPr id="3" name="文本占位符 2">
             <a:extLst>
               <a:ext uri="{FF2B5EF4-FFF2-40B4-BE49-F238E27FC236}">
-                <a16:creationId xmlns:a16="http://schemas.microsoft.com/office/drawing/2014/main" id="{1AD39324-73DD-A5E4-F4BE-DF3F251C08BE}"/>
+                <a16:creationId xmlns:a16="http://schemas.microsoft.com/office/drawing/2014/main" id="{6B323118-306B-B631-A96F-046B5AD615BA}"/>
               </a:ext>
             </a:extLst>
           </p:cNvPr>
@@ -2868,7 +2868,7 @@
           <p:cNvPr id="4" name="日期占位符 3">
             <a:extLst>
               <a:ext uri="{FF2B5EF4-FFF2-40B4-BE49-F238E27FC236}">
-                <a16:creationId xmlns:a16="http://schemas.microsoft.com/office/drawing/2014/main" id="{13334976-1A03-FB1D-74C7-EE2CB2DF9850}"/>
+                <a16:creationId xmlns:a16="http://schemas.microsoft.com/office/drawing/2014/main" id="{F4407FAF-94F2-FED9-8A66-05E32B4368E5}"/>
               </a:ext>
             </a:extLst>
           </p:cNvPr>
@@ -2902,7 +2902,7 @@
             </a:lvl1pPr>
           </a:lstStyle>
           <a:p>
-            <a:fld id="{33A3D3E9-F1F6-43E1-9355-8895B6EDDB4F}" type="datetimeFigureOut">
+            <a:fld id="{1BB0C309-0873-4BB6-8FB3-74A6140A770D}" type="datetimeFigureOut">
               <a:rPr lang="zh-CN" altLang="en-US" smtClean="0"/>
               <a:t>2024/3/10</a:t>
             </a:fld>
@@ -2915,7 +2915,7 @@
           <p:cNvPr id="5" name="页脚占位符 4">
             <a:extLst>
               <a:ext uri="{FF2B5EF4-FFF2-40B4-BE49-F238E27FC236}">
-                <a16:creationId xmlns:a16="http://schemas.microsoft.com/office/drawing/2014/main" id="{C9FB8464-8433-2E91-21FF-513FF05A2BED}"/>
+                <a16:creationId xmlns:a16="http://schemas.microsoft.com/office/drawing/2014/main" id="{2997556D-BDDC-D026-93B3-DBDEB4186227}"/>
               </a:ext>
             </a:extLst>
           </p:cNvPr>
@@ -2958,7 +2958,7 @@
           <p:cNvPr id="6" name="灯片编号占位符 5">
             <a:extLst>
               <a:ext uri="{FF2B5EF4-FFF2-40B4-BE49-F238E27FC236}">
-                <a16:creationId xmlns:a16="http://schemas.microsoft.com/office/drawing/2014/main" id="{3A74068C-79EB-92E0-D9CA-9914728CDFD7}"/>
+                <a16:creationId xmlns:a16="http://schemas.microsoft.com/office/drawing/2014/main" id="{FB64A23B-16D7-2665-3BDF-47A9F20A15C7}"/>
               </a:ext>
             </a:extLst>
           </p:cNvPr>
@@ -2992,7 +2992,7 @@
             </a:lvl1pPr>
           </a:lstStyle>
           <a:p>
-            <a:fld id="{BEB876A0-C27F-4A5E-82CF-FFDFF6C2F743}" type="slidenum">
+            <a:fld id="{8D6DD218-2D45-464A-99FD-7A2F847539FC}" type="slidenum">
               <a:rPr lang="zh-CN" altLang="en-US" smtClean="0"/>
               <a:t>‹#›</a:t>
             </a:fld>
@@ -3003,7 +3003,7 @@
     </p:spTree>
     <p:extLst>
       <p:ext uri="{BB962C8B-B14F-4D97-AF65-F5344CB8AC3E}">
-        <p14:creationId xmlns:p14="http://schemas.microsoft.com/office/powerpoint/2010/main" val="1442673586"/>
+        <p14:creationId xmlns:p14="http://schemas.microsoft.com/office/powerpoint/2010/main" val="2698999910"/>
       </p:ext>
     </p:extLst>
   </p:cSld>
@@ -3323,7 +3323,7 @@
       </p:grpSpPr>
       <p:pic>
         <p:nvPicPr>
-          <p:cNvPr id="949250" name="Picture 2" descr="926"/>
+          <p:cNvPr id="950274" name="Picture 2" descr="927"/>
           <p:cNvPicPr>
             <a:picLocks noChangeAspect="1" noChangeArrowheads="1"/>
           </p:cNvPicPr>
